--- a/prototype/prototype.pptx
+++ b/prototype/prototype.pptx
@@ -195,7 +195,7 @@
           <a:p>
             <a:fld id="{B9458296-64AC-42C3-9364-5AFCB75C859D}" type="datetimeFigureOut">
               <a:rPr lang="en-US" smtClean="0"/>
-              <a:t>11/4/2015</a:t>
+              <a:t>12/7/2015</a:t>
             </a:fld>
             <a:endParaRPr lang="en-US"/>
           </a:p>
@@ -644,7 +644,7 @@
           <a:p>
             <a:fld id="{1AD0CA73-2F73-418D-9939-4BFAAFA9FB67}" type="datetimeFigureOut">
               <a:rPr lang="en-US" smtClean="0"/>
-              <a:t>11/4/2015</a:t>
+              <a:t>12/7/2015</a:t>
             </a:fld>
             <a:endParaRPr lang="en-US"/>
           </a:p>
@@ -814,7 +814,7 @@
           <a:p>
             <a:fld id="{1AD0CA73-2F73-418D-9939-4BFAAFA9FB67}" type="datetimeFigureOut">
               <a:rPr lang="en-US" smtClean="0"/>
-              <a:t>11/4/2015</a:t>
+              <a:t>12/7/2015</a:t>
             </a:fld>
             <a:endParaRPr lang="en-US"/>
           </a:p>
@@ -994,7 +994,7 @@
           <a:p>
             <a:fld id="{1AD0CA73-2F73-418D-9939-4BFAAFA9FB67}" type="datetimeFigureOut">
               <a:rPr lang="en-US" smtClean="0"/>
-              <a:t>11/4/2015</a:t>
+              <a:t>12/7/2015</a:t>
             </a:fld>
             <a:endParaRPr lang="en-US"/>
           </a:p>
@@ -1164,7 +1164,7 @@
           <a:p>
             <a:fld id="{1AD0CA73-2F73-418D-9939-4BFAAFA9FB67}" type="datetimeFigureOut">
               <a:rPr lang="en-US" smtClean="0"/>
-              <a:t>11/4/2015</a:t>
+              <a:t>12/7/2015</a:t>
             </a:fld>
             <a:endParaRPr lang="en-US"/>
           </a:p>
@@ -1410,7 +1410,7 @@
           <a:p>
             <a:fld id="{1AD0CA73-2F73-418D-9939-4BFAAFA9FB67}" type="datetimeFigureOut">
               <a:rPr lang="en-US" smtClean="0"/>
-              <a:t>11/4/2015</a:t>
+              <a:t>12/7/2015</a:t>
             </a:fld>
             <a:endParaRPr lang="en-US"/>
           </a:p>
@@ -1698,7 +1698,7 @@
           <a:p>
             <a:fld id="{1AD0CA73-2F73-418D-9939-4BFAAFA9FB67}" type="datetimeFigureOut">
               <a:rPr lang="en-US" smtClean="0"/>
-              <a:t>11/4/2015</a:t>
+              <a:t>12/7/2015</a:t>
             </a:fld>
             <a:endParaRPr lang="en-US"/>
           </a:p>
@@ -2120,7 +2120,7 @@
           <a:p>
             <a:fld id="{1AD0CA73-2F73-418D-9939-4BFAAFA9FB67}" type="datetimeFigureOut">
               <a:rPr lang="en-US" smtClean="0"/>
-              <a:t>11/4/2015</a:t>
+              <a:t>12/7/2015</a:t>
             </a:fld>
             <a:endParaRPr lang="en-US"/>
           </a:p>
@@ -2238,7 +2238,7 @@
           <a:p>
             <a:fld id="{1AD0CA73-2F73-418D-9939-4BFAAFA9FB67}" type="datetimeFigureOut">
               <a:rPr lang="en-US" smtClean="0"/>
-              <a:t>11/4/2015</a:t>
+              <a:t>12/7/2015</a:t>
             </a:fld>
             <a:endParaRPr lang="en-US"/>
           </a:p>
@@ -2333,7 +2333,7 @@
           <a:p>
             <a:fld id="{1AD0CA73-2F73-418D-9939-4BFAAFA9FB67}" type="datetimeFigureOut">
               <a:rPr lang="en-US" smtClean="0"/>
-              <a:t>11/4/2015</a:t>
+              <a:t>12/7/2015</a:t>
             </a:fld>
             <a:endParaRPr lang="en-US"/>
           </a:p>
@@ -2610,7 +2610,7 @@
           <a:p>
             <a:fld id="{1AD0CA73-2F73-418D-9939-4BFAAFA9FB67}" type="datetimeFigureOut">
               <a:rPr lang="en-US" smtClean="0"/>
-              <a:t>11/4/2015</a:t>
+              <a:t>12/7/2015</a:t>
             </a:fld>
             <a:endParaRPr lang="en-US"/>
           </a:p>
@@ -2863,7 +2863,7 @@
           <a:p>
             <a:fld id="{1AD0CA73-2F73-418D-9939-4BFAAFA9FB67}" type="datetimeFigureOut">
               <a:rPr lang="en-US" smtClean="0"/>
-              <a:t>11/4/2015</a:t>
+              <a:t>12/7/2015</a:t>
             </a:fld>
             <a:endParaRPr lang="en-US"/>
           </a:p>
@@ -3076,7 +3076,7 @@
           <a:p>
             <a:fld id="{1AD0CA73-2F73-418D-9939-4BFAAFA9FB67}" type="datetimeFigureOut">
               <a:rPr lang="en-US" smtClean="0"/>
-              <a:t>11/4/2015</a:t>
+              <a:t>12/7/2015</a:t>
             </a:fld>
             <a:endParaRPr lang="en-US"/>
           </a:p>
@@ -4662,6 +4662,138 @@
         </p:nvSpPr>
         <p:spPr>
           <a:xfrm>
+            <a:off x="2921496" y="2492896"/>
+            <a:ext cx="3096344" cy="432048"/>
+          </a:xfrm>
+          <a:prstGeom prst="rect">
+            <a:avLst/>
+          </a:prstGeom>
+        </p:spPr>
+        <p:style>
+          <a:lnRef idx="2">
+            <a:schemeClr val="accent1">
+              <a:shade val="50000"/>
+            </a:schemeClr>
+          </a:lnRef>
+          <a:fillRef idx="1">
+            <a:schemeClr val="accent1"/>
+          </a:fillRef>
+          <a:effectRef idx="0">
+            <a:schemeClr val="accent1"/>
+          </a:effectRef>
+          <a:fontRef idx="minor">
+            <a:schemeClr val="lt1"/>
+          </a:fontRef>
+        </p:style>
+        <p:txBody>
+          <a:bodyPr rtlCol="0" anchor="ctr"/>
+          <a:lstStyle/>
+          <a:p>
+            <a:pPr algn="ctr"/>
+            <a:r>
+              <a:rPr lang="he-IL" dirty="0" smtClean="0"/>
+              <a:t>ממוצע מחזור</a:t>
+            </a:r>
+            <a:endParaRPr lang="en-US" dirty="0"/>
+          </a:p>
+        </p:txBody>
+      </p:sp>
+      <p:sp>
+        <p:nvSpPr>
+          <p:cNvPr id="7" name="Rectangle 6"/>
+          <p:cNvSpPr/>
+          <p:nvPr/>
+        </p:nvSpPr>
+        <p:spPr>
+          <a:xfrm>
+            <a:off x="2915816" y="2996952"/>
+            <a:ext cx="3096344" cy="432048"/>
+          </a:xfrm>
+          <a:prstGeom prst="rect">
+            <a:avLst/>
+          </a:prstGeom>
+        </p:spPr>
+        <p:style>
+          <a:lnRef idx="2">
+            <a:schemeClr val="accent1">
+              <a:shade val="50000"/>
+            </a:schemeClr>
+          </a:lnRef>
+          <a:fillRef idx="1">
+            <a:schemeClr val="accent1"/>
+          </a:fillRef>
+          <a:effectRef idx="0">
+            <a:schemeClr val="accent1"/>
+          </a:effectRef>
+          <a:fontRef idx="minor">
+            <a:schemeClr val="lt1"/>
+          </a:fontRef>
+        </p:style>
+        <p:txBody>
+          <a:bodyPr rtlCol="0" anchor="ctr"/>
+          <a:lstStyle/>
+          <a:p>
+            <a:pPr algn="ctr"/>
+            <a:r>
+              <a:rPr lang="he-IL" dirty="0" smtClean="0"/>
+              <a:t>משך זמן מחזור</a:t>
+            </a:r>
+            <a:endParaRPr lang="en-US" dirty="0"/>
+          </a:p>
+        </p:txBody>
+      </p:sp>
+      <p:sp>
+        <p:nvSpPr>
+          <p:cNvPr id="8" name="Rectangle 7"/>
+          <p:cNvSpPr/>
+          <p:nvPr/>
+        </p:nvSpPr>
+        <p:spPr>
+          <a:xfrm>
+            <a:off x="2915816" y="4149080"/>
+            <a:ext cx="3096344" cy="432048"/>
+          </a:xfrm>
+          <a:prstGeom prst="rect">
+            <a:avLst/>
+          </a:prstGeom>
+        </p:spPr>
+        <p:style>
+          <a:lnRef idx="2">
+            <a:schemeClr val="accent1">
+              <a:shade val="50000"/>
+            </a:schemeClr>
+          </a:lnRef>
+          <a:fillRef idx="1">
+            <a:schemeClr val="accent1"/>
+          </a:fillRef>
+          <a:effectRef idx="0">
+            <a:schemeClr val="accent1"/>
+          </a:effectRef>
+          <a:fontRef idx="minor">
+            <a:schemeClr val="lt1"/>
+          </a:fontRef>
+        </p:style>
+        <p:txBody>
+          <a:bodyPr rtlCol="0" anchor="ctr"/>
+          <a:lstStyle/>
+          <a:p>
+            <a:pPr algn="ctr"/>
+            <a:r>
+              <a:rPr lang="he-IL" dirty="0" smtClean="0"/>
+              <a:t>תאריך יום פרישה הקרוב</a:t>
+            </a:r>
+            <a:endParaRPr lang="en-US" dirty="0"/>
+          </a:p>
+        </p:txBody>
+      </p:sp>
+      <p:sp>
+        <p:nvSpPr>
+          <p:cNvPr id="11" name="Rectangle 10"/>
+          <p:cNvSpPr/>
+          <p:nvPr/>
+        </p:nvSpPr>
+        <p:spPr>
+          <a:xfrm>
             <a:off x="2915816" y="1925216"/>
             <a:ext cx="3096344" cy="432048"/>
           </a:xfrm>
@@ -4692,7 +4824,7 @@
             <a:pPr algn="ctr"/>
             <a:r>
               <a:rPr lang="he-IL" dirty="0" smtClean="0"/>
-              <a:t>ממוצע מחזור</a:t>
+              <a:t>ספירת נקיים</a:t>
             </a:r>
             <a:endParaRPr lang="en-US" dirty="0"/>
           </a:p>
@@ -4700,13 +4832,13 @@
       </p:sp>
       <p:sp>
         <p:nvSpPr>
-          <p:cNvPr id="7" name="Rectangle 6"/>
+          <p:cNvPr id="12" name="Rectangle 11"/>
           <p:cNvSpPr/>
           <p:nvPr/>
         </p:nvSpPr>
         <p:spPr>
           <a:xfrm>
-            <a:off x="2915816" y="2492896"/>
+            <a:off x="2921496" y="3573016"/>
             <a:ext cx="3096344" cy="432048"/>
           </a:xfrm>
           <a:prstGeom prst="rect">
@@ -4736,7 +4868,7 @@
             <a:pPr algn="ctr"/>
             <a:r>
               <a:rPr lang="he-IL" dirty="0" smtClean="0"/>
-              <a:t>משך זמן מחזור</a:t>
+              <a:t>תאריך טבילה</a:t>
             </a:r>
             <a:endParaRPr lang="en-US" dirty="0"/>
           </a:p>
@@ -4744,13 +4876,13 @@
       </p:sp>
       <p:sp>
         <p:nvSpPr>
-          <p:cNvPr id="8" name="Rectangle 7"/>
+          <p:cNvPr id="13" name="Rectangle 12"/>
           <p:cNvSpPr/>
           <p:nvPr/>
         </p:nvSpPr>
         <p:spPr>
           <a:xfrm>
-            <a:off x="2915816" y="3068960"/>
+            <a:off x="2893504" y="4725144"/>
             <a:ext cx="3096344" cy="432048"/>
           </a:xfrm>
           <a:prstGeom prst="rect">
@@ -4780,7 +4912,11 @@
             <a:pPr algn="ctr"/>
             <a:r>
               <a:rPr lang="he-IL" dirty="0" smtClean="0"/>
-              <a:t>משך זמן מחזור</a:t>
+              <a:t>תאריך וסת </a:t>
+            </a:r>
+            <a:r>
+              <a:rPr lang="he-IL" dirty="0" smtClean="0"/>
+              <a:t>הבא</a:t>
             </a:r>
             <a:endParaRPr lang="en-US" dirty="0"/>
           </a:p>

--- a/prototype/prototype.pptx
+++ b/prototype/prototype.pptx
@@ -4618,7 +4618,7 @@
         </p:nvSpPr>
         <p:spPr>
           <a:xfrm>
-            <a:off x="2915816" y="1340768"/>
+            <a:off x="2915816" y="1131234"/>
             <a:ext cx="3096344" cy="432048"/>
           </a:xfrm>
           <a:prstGeom prst="rect">
@@ -4662,7 +4662,7 @@
         </p:nvSpPr>
         <p:spPr>
           <a:xfrm>
-            <a:off x="2921496" y="2492896"/>
+            <a:off x="2915816" y="2521226"/>
             <a:ext cx="3096344" cy="432048"/>
           </a:xfrm>
           <a:prstGeom prst="rect">
@@ -4706,7 +4706,7 @@
         </p:nvSpPr>
         <p:spPr>
           <a:xfrm>
-            <a:off x="2915816" y="2996952"/>
+            <a:off x="2915816" y="3216222"/>
             <a:ext cx="3096344" cy="432048"/>
           </a:xfrm>
           <a:prstGeom prst="rect">
@@ -4750,7 +4750,7 @@
         </p:nvSpPr>
         <p:spPr>
           <a:xfrm>
-            <a:off x="2915816" y="4149080"/>
+            <a:off x="2915816" y="4606214"/>
             <a:ext cx="3096344" cy="432048"/>
           </a:xfrm>
           <a:prstGeom prst="rect">
@@ -4794,7 +4794,7 @@
         </p:nvSpPr>
         <p:spPr>
           <a:xfrm>
-            <a:off x="2915816" y="1925216"/>
+            <a:off x="2915816" y="1826230"/>
             <a:ext cx="3096344" cy="432048"/>
           </a:xfrm>
           <a:prstGeom prst="rect">
@@ -4838,7 +4838,7 @@
         </p:nvSpPr>
         <p:spPr>
           <a:xfrm>
-            <a:off x="2921496" y="3573016"/>
+            <a:off x="2915816" y="3911218"/>
             <a:ext cx="3096344" cy="432048"/>
           </a:xfrm>
           <a:prstGeom prst="rect">
@@ -4882,7 +4882,7 @@
         </p:nvSpPr>
         <p:spPr>
           <a:xfrm>
-            <a:off x="2893504" y="4725144"/>
+            <a:off x="2915816" y="5301208"/>
             <a:ext cx="3096344" cy="432048"/>
           </a:xfrm>
           <a:prstGeom prst="rect">
@@ -4912,11 +4912,7 @@
             <a:pPr algn="ctr"/>
             <a:r>
               <a:rPr lang="he-IL" dirty="0" smtClean="0"/>
-              <a:t>תאריך וסת </a:t>
-            </a:r>
-            <a:r>
-              <a:rPr lang="he-IL" dirty="0" smtClean="0"/>
-              <a:t>הבא</a:t>
+              <a:t>תאריך וסת הבא</a:t>
             </a:r>
             <a:endParaRPr lang="en-US" dirty="0"/>
           </a:p>
